--- a/02-HTML-Basics.pptx
+++ b/02-HTML-Basics.pptx
@@ -220,7 +220,7 @@
           <a:p>
             <a:fld id="{2E054F57-E93D-4CC3-8A27-2F256E70BB98}" type="datetimeFigureOut">
               <a:rPr lang="en-US" smtClean="0"/>
-              <a:t>14 Jul 15</a:t>
+              <a:t>16 Jul 15</a:t>
             </a:fld>
             <a:endParaRPr lang="en-US"/>
           </a:p>
@@ -753,7 +753,7 @@
           <a:p>
             <a:fld id="{3EA744D9-3FBE-48D8-BF2A-85DF203E4D20}" type="datetimeFigureOut">
               <a:rPr lang="bg-BG" smtClean="0"/>
-              <a:t>14.7.2015 г.</a:t>
+              <a:t>16.7.2015 г.</a:t>
             </a:fld>
             <a:endParaRPr lang="bg-BG"/>
           </a:p>
@@ -923,7 +923,7 @@
           <a:p>
             <a:fld id="{3EA744D9-3FBE-48D8-BF2A-85DF203E4D20}" type="datetimeFigureOut">
               <a:rPr lang="bg-BG" smtClean="0"/>
-              <a:t>14.7.2015 г.</a:t>
+              <a:t>16.7.2015 г.</a:t>
             </a:fld>
             <a:endParaRPr lang="bg-BG"/>
           </a:p>
@@ -1103,7 +1103,7 @@
           <a:p>
             <a:fld id="{3EA744D9-3FBE-48D8-BF2A-85DF203E4D20}" type="datetimeFigureOut">
               <a:rPr lang="bg-BG" smtClean="0"/>
-              <a:t>14.7.2015 г.</a:t>
+              <a:t>16.7.2015 г.</a:t>
             </a:fld>
             <a:endParaRPr lang="bg-BG"/>
           </a:p>
@@ -1273,7 +1273,7 @@
           <a:p>
             <a:fld id="{3EA744D9-3FBE-48D8-BF2A-85DF203E4D20}" type="datetimeFigureOut">
               <a:rPr lang="bg-BG" smtClean="0"/>
-              <a:t>14.7.2015 г.</a:t>
+              <a:t>16.7.2015 г.</a:t>
             </a:fld>
             <a:endParaRPr lang="bg-BG"/>
           </a:p>
@@ -1519,7 +1519,7 @@
           <a:p>
             <a:fld id="{3EA744D9-3FBE-48D8-BF2A-85DF203E4D20}" type="datetimeFigureOut">
               <a:rPr lang="bg-BG" smtClean="0"/>
-              <a:t>14.7.2015 г.</a:t>
+              <a:t>16.7.2015 г.</a:t>
             </a:fld>
             <a:endParaRPr lang="bg-BG"/>
           </a:p>
@@ -1807,7 +1807,7 @@
           <a:p>
             <a:fld id="{3EA744D9-3FBE-48D8-BF2A-85DF203E4D20}" type="datetimeFigureOut">
               <a:rPr lang="bg-BG" smtClean="0"/>
-              <a:t>14.7.2015 г.</a:t>
+              <a:t>16.7.2015 г.</a:t>
             </a:fld>
             <a:endParaRPr lang="bg-BG"/>
           </a:p>
@@ -2229,7 +2229,7 @@
           <a:p>
             <a:fld id="{3EA744D9-3FBE-48D8-BF2A-85DF203E4D20}" type="datetimeFigureOut">
               <a:rPr lang="bg-BG" smtClean="0"/>
-              <a:t>14.7.2015 г.</a:t>
+              <a:t>16.7.2015 г.</a:t>
             </a:fld>
             <a:endParaRPr lang="bg-BG"/>
           </a:p>
@@ -2347,7 +2347,7 @@
           <a:p>
             <a:fld id="{3EA744D9-3FBE-48D8-BF2A-85DF203E4D20}" type="datetimeFigureOut">
               <a:rPr lang="bg-BG" smtClean="0"/>
-              <a:t>14.7.2015 г.</a:t>
+              <a:t>16.7.2015 г.</a:t>
             </a:fld>
             <a:endParaRPr lang="bg-BG"/>
           </a:p>
@@ -2442,7 +2442,7 @@
           <a:p>
             <a:fld id="{3EA744D9-3FBE-48D8-BF2A-85DF203E4D20}" type="datetimeFigureOut">
               <a:rPr lang="bg-BG" smtClean="0"/>
-              <a:t>14.7.2015 г.</a:t>
+              <a:t>16.7.2015 г.</a:t>
             </a:fld>
             <a:endParaRPr lang="bg-BG"/>
           </a:p>
@@ -2719,7 +2719,7 @@
           <a:p>
             <a:fld id="{3EA744D9-3FBE-48D8-BF2A-85DF203E4D20}" type="datetimeFigureOut">
               <a:rPr lang="bg-BG" smtClean="0"/>
-              <a:t>14.7.2015 г.</a:t>
+              <a:t>16.7.2015 г.</a:t>
             </a:fld>
             <a:endParaRPr lang="bg-BG"/>
           </a:p>
@@ -2972,7 +2972,7 @@
           <a:p>
             <a:fld id="{3EA744D9-3FBE-48D8-BF2A-85DF203E4D20}" type="datetimeFigureOut">
               <a:rPr lang="bg-BG" smtClean="0"/>
-              <a:t>14.7.2015 г.</a:t>
+              <a:t>16.7.2015 г.</a:t>
             </a:fld>
             <a:endParaRPr lang="bg-BG"/>
           </a:p>
@@ -3194,7 +3194,7 @@
           <a:p>
             <a:fld id="{3EA744D9-3FBE-48D8-BF2A-85DF203E4D20}" type="datetimeFigureOut">
               <a:rPr lang="bg-BG" smtClean="0"/>
-              <a:t>14.7.2015 г.</a:t>
+              <a:t>16.7.2015 г.</a:t>
             </a:fld>
             <a:endParaRPr lang="bg-BG"/>
           </a:p>
@@ -3592,7 +3592,23 @@
                   <a:schemeClr val="accent6"/>
                 </a:solidFill>
               </a:rPr>
-              <a:t>Основи </a:t>
+              <a:t>Основ</a:t>
+            </a:r>
+            <a:r>
+              <a:rPr lang="bg-BG" smtClean="0">
+                <a:solidFill>
+                  <a:schemeClr val="accent6"/>
+                </a:solidFill>
+              </a:rPr>
+              <a:t>и</a:t>
+            </a:r>
+            <a:r>
+              <a:rPr lang="ru-RU" smtClean="0">
+                <a:solidFill>
+                  <a:schemeClr val="accent6"/>
+                </a:solidFill>
+              </a:rPr>
+              <a:t> </a:t>
             </a:r>
             <a:r>
               <a:rPr lang="ru-RU" dirty="0">
@@ -4419,17 +4435,7 @@
                   </a:schemeClr>
                 </a:solidFill>
               </a:rPr>
-              <a:t>2</a:t>
-            </a:r>
-            <a:r>
-              <a:rPr lang="bg-BG" sz="2000" dirty="0" smtClean="0">
-                <a:solidFill>
-                  <a:schemeClr val="bg1">
-                    <a:lumMod val="95000"/>
-                  </a:schemeClr>
-                </a:solidFill>
-              </a:rPr>
-              <a:t>. Създайте уебстраница, подобна на тази във файла </a:t>
+              <a:t>2. Създайте уебстраница, подобна на тази във файла </a:t>
             </a:r>
             <a:r>
               <a:rPr lang="en-US" sz="2000" dirty="0" smtClean="0">
@@ -4901,27 +4907,7 @@
                   </a:schemeClr>
                 </a:solidFill>
               </a:rPr>
-              <a:t>*</a:t>
-            </a:r>
-            <a:r>
-              <a:rPr lang="bg-BG" sz="2000" dirty="0" smtClean="0">
-                <a:solidFill>
-                  <a:schemeClr val="bg1">
-                    <a:lumMod val="95000"/>
-                  </a:schemeClr>
-                </a:solidFill>
-              </a:rPr>
-              <a:t>задължително </a:t>
-            </a:r>
-            <a:r>
-              <a:rPr lang="bg-BG" sz="2000" dirty="0" smtClean="0">
-                <a:solidFill>
-                  <a:schemeClr val="bg1">
-                    <a:lumMod val="95000"/>
-                  </a:schemeClr>
-                </a:solidFill>
-              </a:rPr>
-              <a:t>използвайте </a:t>
+              <a:t>*задължително използвайте </a:t>
             </a:r>
             <a:r>
               <a:rPr lang="en-US" sz="2000" dirty="0" smtClean="0">
@@ -5080,17 +5066,7 @@
                   </a:schemeClr>
                 </a:solidFill>
               </a:rPr>
-              <a:t>полета </a:t>
-            </a:r>
-            <a:r>
-              <a:rPr lang="bg-BG" sz="2000" dirty="0" smtClean="0">
-                <a:solidFill>
-                  <a:schemeClr val="bg1">
-                    <a:lumMod val="95000"/>
-                  </a:schemeClr>
-                </a:solidFill>
-              </a:rPr>
-              <a:t>и етикети на нов ред използвайте </a:t>
+              <a:t>полета и етикети на нов ред използвайте </a:t>
             </a:r>
             <a:r>
               <a:rPr lang="en-US" sz="2000" dirty="0" smtClean="0">
@@ -5723,17 +5699,7 @@
                   </a:schemeClr>
                 </a:solidFill>
               </a:rPr>
-              <a:t>Полезни </a:t>
-            </a:r>
-            <a:r>
-              <a:rPr lang="bg-BG" dirty="0" smtClean="0">
-                <a:solidFill>
-                  <a:schemeClr val="bg1">
-                    <a:lumMod val="95000"/>
-                  </a:schemeClr>
-                </a:solidFill>
-              </a:rPr>
-              <a:t>линкове</a:t>
+              <a:t>Полезни линкове</a:t>
             </a:r>
           </a:p>
           <a:p>

--- a/02-HTML-Basics.pptx
+++ b/02-HTML-Basics.pptx
@@ -220,7 +220,7 @@
           <a:p>
             <a:fld id="{2E054F57-E93D-4CC3-8A27-2F256E70BB98}" type="datetimeFigureOut">
               <a:rPr lang="en-US" smtClean="0"/>
-              <a:t>16 Jul 15</a:t>
+              <a:t>17 Jul 15</a:t>
             </a:fld>
             <a:endParaRPr lang="en-US"/>
           </a:p>
@@ -753,7 +753,7 @@
           <a:p>
             <a:fld id="{3EA744D9-3FBE-48D8-BF2A-85DF203E4D20}" type="datetimeFigureOut">
               <a:rPr lang="bg-BG" smtClean="0"/>
-              <a:t>16.7.2015 г.</a:t>
+              <a:t>17.7.2015 г.</a:t>
             </a:fld>
             <a:endParaRPr lang="bg-BG"/>
           </a:p>
@@ -923,7 +923,7 @@
           <a:p>
             <a:fld id="{3EA744D9-3FBE-48D8-BF2A-85DF203E4D20}" type="datetimeFigureOut">
               <a:rPr lang="bg-BG" smtClean="0"/>
-              <a:t>16.7.2015 г.</a:t>
+              <a:t>17.7.2015 г.</a:t>
             </a:fld>
             <a:endParaRPr lang="bg-BG"/>
           </a:p>
@@ -1103,7 +1103,7 @@
           <a:p>
             <a:fld id="{3EA744D9-3FBE-48D8-BF2A-85DF203E4D20}" type="datetimeFigureOut">
               <a:rPr lang="bg-BG" smtClean="0"/>
-              <a:t>16.7.2015 г.</a:t>
+              <a:t>17.7.2015 г.</a:t>
             </a:fld>
             <a:endParaRPr lang="bg-BG"/>
           </a:p>
@@ -1273,7 +1273,7 @@
           <a:p>
             <a:fld id="{3EA744D9-3FBE-48D8-BF2A-85DF203E4D20}" type="datetimeFigureOut">
               <a:rPr lang="bg-BG" smtClean="0"/>
-              <a:t>16.7.2015 г.</a:t>
+              <a:t>17.7.2015 г.</a:t>
             </a:fld>
             <a:endParaRPr lang="bg-BG"/>
           </a:p>
@@ -1519,7 +1519,7 @@
           <a:p>
             <a:fld id="{3EA744D9-3FBE-48D8-BF2A-85DF203E4D20}" type="datetimeFigureOut">
               <a:rPr lang="bg-BG" smtClean="0"/>
-              <a:t>16.7.2015 г.</a:t>
+              <a:t>17.7.2015 г.</a:t>
             </a:fld>
             <a:endParaRPr lang="bg-BG"/>
           </a:p>
@@ -1807,7 +1807,7 @@
           <a:p>
             <a:fld id="{3EA744D9-3FBE-48D8-BF2A-85DF203E4D20}" type="datetimeFigureOut">
               <a:rPr lang="bg-BG" smtClean="0"/>
-              <a:t>16.7.2015 г.</a:t>
+              <a:t>17.7.2015 г.</a:t>
             </a:fld>
             <a:endParaRPr lang="bg-BG"/>
           </a:p>
@@ -2229,7 +2229,7 @@
           <a:p>
             <a:fld id="{3EA744D9-3FBE-48D8-BF2A-85DF203E4D20}" type="datetimeFigureOut">
               <a:rPr lang="bg-BG" smtClean="0"/>
-              <a:t>16.7.2015 г.</a:t>
+              <a:t>17.7.2015 г.</a:t>
             </a:fld>
             <a:endParaRPr lang="bg-BG"/>
           </a:p>
@@ -2347,7 +2347,7 @@
           <a:p>
             <a:fld id="{3EA744D9-3FBE-48D8-BF2A-85DF203E4D20}" type="datetimeFigureOut">
               <a:rPr lang="bg-BG" smtClean="0"/>
-              <a:t>16.7.2015 г.</a:t>
+              <a:t>17.7.2015 г.</a:t>
             </a:fld>
             <a:endParaRPr lang="bg-BG"/>
           </a:p>
@@ -2442,7 +2442,7 @@
           <a:p>
             <a:fld id="{3EA744D9-3FBE-48D8-BF2A-85DF203E4D20}" type="datetimeFigureOut">
               <a:rPr lang="bg-BG" smtClean="0"/>
-              <a:t>16.7.2015 г.</a:t>
+              <a:t>17.7.2015 г.</a:t>
             </a:fld>
             <a:endParaRPr lang="bg-BG"/>
           </a:p>
@@ -2719,7 +2719,7 @@
           <a:p>
             <a:fld id="{3EA744D9-3FBE-48D8-BF2A-85DF203E4D20}" type="datetimeFigureOut">
               <a:rPr lang="bg-BG" smtClean="0"/>
-              <a:t>16.7.2015 г.</a:t>
+              <a:t>17.7.2015 г.</a:t>
             </a:fld>
             <a:endParaRPr lang="bg-BG"/>
           </a:p>
@@ -2972,7 +2972,7 @@
           <a:p>
             <a:fld id="{3EA744D9-3FBE-48D8-BF2A-85DF203E4D20}" type="datetimeFigureOut">
               <a:rPr lang="bg-BG" smtClean="0"/>
-              <a:t>16.7.2015 г.</a:t>
+              <a:t>17.7.2015 г.</a:t>
             </a:fld>
             <a:endParaRPr lang="bg-BG"/>
           </a:p>
@@ -3194,7 +3194,7 @@
           <a:p>
             <a:fld id="{3EA744D9-3FBE-48D8-BF2A-85DF203E4D20}" type="datetimeFigureOut">
               <a:rPr lang="bg-BG" smtClean="0"/>
-              <a:t>16.7.2015 г.</a:t>
+              <a:t>17.7.2015 г.</a:t>
             </a:fld>
             <a:endParaRPr lang="bg-BG"/>
           </a:p>
@@ -3592,23 +3592,7 @@
                   <a:schemeClr val="accent6"/>
                 </a:solidFill>
               </a:rPr>
-              <a:t>Основ</a:t>
-            </a:r>
-            <a:r>
-              <a:rPr lang="bg-BG" smtClean="0">
-                <a:solidFill>
-                  <a:schemeClr val="accent6"/>
-                </a:solidFill>
-              </a:rPr>
-              <a:t>и</a:t>
-            </a:r>
-            <a:r>
-              <a:rPr lang="ru-RU" smtClean="0">
-                <a:solidFill>
-                  <a:schemeClr val="accent6"/>
-                </a:solidFill>
-              </a:rPr>
-              <a:t> </a:t>
+              <a:t>Основи </a:t>
             </a:r>
             <a:r>
               <a:rPr lang="ru-RU" dirty="0">
@@ -6707,12 +6691,12 @@
         <p:spPr>
           <a:xfrm>
             <a:off x="762000" y="1676400"/>
-            <a:ext cx="7620000" cy="4525963"/>
+            <a:ext cx="7620000" cy="4876800"/>
           </a:xfrm>
         </p:spPr>
         <p:txBody>
           <a:bodyPr>
-            <a:normAutofit fontScale="55000" lnSpcReduction="20000"/>
+            <a:normAutofit fontScale="47500" lnSpcReduction="20000"/>
           </a:bodyPr>
           <a:lstStyle/>
           <a:p>
@@ -6905,38 +6889,6 @@
               <a:buChar char="§"/>
             </a:pPr>
             <a:r>
-              <a:rPr lang="en-US" dirty="0" smtClean="0">
-                <a:solidFill>
-                  <a:schemeClr val="bg1">
-                    <a:lumMod val="95000"/>
-                  </a:schemeClr>
-                </a:solidFill>
-              </a:rPr>
-              <a:t>form</a:t>
-            </a:r>
-          </a:p>
-          <a:p>
-            <a:pPr>
-              <a:buFont typeface="Wingdings" panose="05000000000000000000" pitchFamily="2" charset="2"/>
-              <a:buChar char="§"/>
-            </a:pPr>
-            <a:r>
-              <a:rPr lang="en-US" dirty="0" smtClean="0">
-                <a:solidFill>
-                  <a:schemeClr val="bg1">
-                    <a:lumMod val="95000"/>
-                  </a:schemeClr>
-                </a:solidFill>
-              </a:rPr>
-              <a:t>h1-h6</a:t>
-            </a:r>
-          </a:p>
-          <a:p>
-            <a:pPr>
-              <a:buFont typeface="Wingdings" panose="05000000000000000000" pitchFamily="2" charset="2"/>
-              <a:buChar char="§"/>
-            </a:pPr>
-            <a:r>
               <a:rPr lang="en-US" dirty="0" err="1" smtClean="0">
                 <a:solidFill>
                   <a:schemeClr val="bg1">
@@ -6944,7 +6896,7 @@
                   </a:schemeClr>
                 </a:solidFill>
               </a:rPr>
-              <a:t>hr</a:t>
+              <a:t>th</a:t>
             </a:r>
             <a:endParaRPr lang="en-US" dirty="0" smtClean="0">
               <a:solidFill>
@@ -6960,6 +6912,38 @@
               <a:buChar char="§"/>
             </a:pPr>
             <a:r>
+              <a:rPr lang="en-US" dirty="0" smtClean="0">
+                <a:solidFill>
+                  <a:schemeClr val="bg1">
+                    <a:lumMod val="95000"/>
+                  </a:schemeClr>
+                </a:solidFill>
+              </a:rPr>
+              <a:t>form</a:t>
+            </a:r>
+          </a:p>
+          <a:p>
+            <a:pPr>
+              <a:buFont typeface="Wingdings" panose="05000000000000000000" pitchFamily="2" charset="2"/>
+              <a:buChar char="§"/>
+            </a:pPr>
+            <a:r>
+              <a:rPr lang="en-US" dirty="0" smtClean="0">
+                <a:solidFill>
+                  <a:schemeClr val="bg1">
+                    <a:lumMod val="95000"/>
+                  </a:schemeClr>
+                </a:solidFill>
+              </a:rPr>
+              <a:t>h1-h6</a:t>
+            </a:r>
+          </a:p>
+          <a:p>
+            <a:pPr>
+              <a:buFont typeface="Wingdings" panose="05000000000000000000" pitchFamily="2" charset="2"/>
+              <a:buChar char="§"/>
+            </a:pPr>
+            <a:r>
               <a:rPr lang="en-US" dirty="0" err="1" smtClean="0">
                 <a:solidFill>
                   <a:schemeClr val="bg1">
@@ -6967,7 +6951,7 @@
                   </a:schemeClr>
                 </a:solidFill>
               </a:rPr>
-              <a:t>img</a:t>
+              <a:t>hr</a:t>
             </a:r>
             <a:endParaRPr lang="en-US" dirty="0" smtClean="0">
               <a:solidFill>
@@ -6983,15 +6967,22 @@
               <a:buChar char="§"/>
             </a:pPr>
             <a:r>
-              <a:rPr lang="en-US" dirty="0" smtClean="0">
-                <a:solidFill>
-                  <a:schemeClr val="bg1">
-                    <a:lumMod val="95000"/>
-                  </a:schemeClr>
-                </a:solidFill>
-              </a:rPr>
-              <a:t>iframe</a:t>
-            </a:r>
+              <a:rPr lang="en-US" dirty="0" err="1" smtClean="0">
+                <a:solidFill>
+                  <a:schemeClr val="bg1">
+                    <a:lumMod val="95000"/>
+                  </a:schemeClr>
+                </a:solidFill>
+              </a:rPr>
+              <a:t>img</a:t>
+            </a:r>
+            <a:endParaRPr lang="en-US" dirty="0" smtClean="0">
+              <a:solidFill>
+                <a:schemeClr val="bg1">
+                  <a:lumMod val="95000"/>
+                </a:schemeClr>
+              </a:solidFill>
+            </a:endParaRPr>
           </a:p>
           <a:p>
             <a:pPr>
@@ -6999,16 +6990,6 @@
               <a:buChar char="§"/>
             </a:pPr>
             <a:r>
-              <a:rPr lang="en-US" dirty="0">
-                <a:solidFill>
-                  <a:schemeClr val="bg1">
-                    <a:lumMod val="95000"/>
-                  </a:schemeClr>
-                </a:solidFill>
-              </a:rPr>
-              <a:t>i</a:t>
-            </a:r>
-            <a:r>
               <a:rPr lang="en-US" dirty="0" smtClean="0">
                 <a:solidFill>
                   <a:schemeClr val="bg1">
@@ -7016,7 +6997,7 @@
                   </a:schemeClr>
                 </a:solidFill>
               </a:rPr>
-              <a:t>nput</a:t>
+              <a:t>iframe</a:t>
             </a:r>
           </a:p>
           <a:p>
@@ -7032,7 +7013,7 @@
                   </a:schemeClr>
                 </a:solidFill>
               </a:rPr>
-              <a:t>l</a:t>
+              <a:t>i</a:t>
             </a:r>
             <a:r>
               <a:rPr lang="en-US" dirty="0" smtClean="0">
@@ -7042,7 +7023,7 @@
                   </a:schemeClr>
                 </a:solidFill>
               </a:rPr>
-              <a:t>abel</a:t>
+              <a:t>nput</a:t>
             </a:r>
           </a:p>
           <a:p>
@@ -7050,6 +7031,71 @@
               <a:buFont typeface="Wingdings" panose="05000000000000000000" pitchFamily="2" charset="2"/>
               <a:buChar char="§"/>
             </a:pPr>
+            <a:r>
+              <a:rPr lang="en-US" dirty="0" smtClean="0">
+                <a:solidFill>
+                  <a:schemeClr val="bg1">
+                    <a:lumMod val="95000"/>
+                  </a:schemeClr>
+                </a:solidFill>
+              </a:rPr>
+              <a:t>label</a:t>
+            </a:r>
+          </a:p>
+          <a:p>
+            <a:pPr>
+              <a:buFont typeface="Wingdings" panose="05000000000000000000" pitchFamily="2" charset="2"/>
+              <a:buChar char="§"/>
+            </a:pPr>
+            <a:r>
+              <a:rPr lang="en-US" dirty="0" smtClean="0">
+                <a:solidFill>
+                  <a:schemeClr val="bg1">
+                    <a:lumMod val="95000"/>
+                  </a:schemeClr>
+                </a:solidFill>
+              </a:rPr>
+              <a:t>select</a:t>
+            </a:r>
+            <a:endParaRPr lang="en-US" dirty="0" smtClean="0">
+              <a:solidFill>
+                <a:schemeClr val="bg1">
+                  <a:lumMod val="95000"/>
+                </a:schemeClr>
+              </a:solidFill>
+            </a:endParaRPr>
+          </a:p>
+          <a:p>
+            <a:pPr>
+              <a:buFont typeface="Wingdings" panose="05000000000000000000" pitchFamily="2" charset="2"/>
+              <a:buChar char="§"/>
+            </a:pPr>
+            <a:r>
+              <a:rPr lang="en-US" dirty="0" smtClean="0">
+                <a:solidFill>
+                  <a:schemeClr val="bg1">
+                    <a:lumMod val="95000"/>
+                  </a:schemeClr>
+                </a:solidFill>
+              </a:rPr>
+              <a:t>option</a:t>
+            </a:r>
+          </a:p>
+          <a:p>
+            <a:pPr>
+              <a:buFont typeface="Wingdings" panose="05000000000000000000" pitchFamily="2" charset="2"/>
+              <a:buChar char="§"/>
+            </a:pPr>
+            <a:r>
+              <a:rPr lang="en-US" dirty="0" smtClean="0">
+                <a:solidFill>
+                  <a:schemeClr val="bg1">
+                    <a:lumMod val="95000"/>
+                  </a:schemeClr>
+                </a:solidFill>
+              </a:rPr>
+              <a:t>button</a:t>
+            </a:r>
             <a:endParaRPr lang="bg-BG" dirty="0" smtClean="0">
               <a:solidFill>
                 <a:schemeClr val="bg1">

--- a/02-HTML-Basics.pptx
+++ b/02-HTML-Basics.pptx
@@ -5,7 +5,7 @@
     <p:sldMasterId id="2147483648" r:id="rId1"/>
   </p:sldMasterIdLst>
   <p:notesMasterIdLst>
-    <p:notesMasterId r:id="rId15"/>
+    <p:notesMasterId r:id="rId16"/>
   </p:notesMasterIdLst>
   <p:sldIdLst>
     <p:sldId id="256" r:id="rId2"/>
@@ -21,6 +21,7 @@
     <p:sldId id="265" r:id="rId12"/>
     <p:sldId id="269" r:id="rId13"/>
     <p:sldId id="276" r:id="rId14"/>
+    <p:sldId id="277" r:id="rId15"/>
   </p:sldIdLst>
   <p:sldSz cx="9144000" cy="6858000" type="screen4x3"/>
   <p:notesSz cx="6858000" cy="9144000"/>
@@ -220,7 +221,7 @@
           <a:p>
             <a:fld id="{2E054F57-E93D-4CC3-8A27-2F256E70BB98}" type="datetimeFigureOut">
               <a:rPr lang="en-US" smtClean="0"/>
-              <a:t>17 Jul 15</a:t>
+              <a:t>19 Jul 15</a:t>
             </a:fld>
             <a:endParaRPr lang="en-US"/>
           </a:p>
@@ -753,7 +754,7 @@
           <a:p>
             <a:fld id="{3EA744D9-3FBE-48D8-BF2A-85DF203E4D20}" type="datetimeFigureOut">
               <a:rPr lang="bg-BG" smtClean="0"/>
-              <a:t>17.7.2015 г.</a:t>
+              <a:t>19.7.2015 г.</a:t>
             </a:fld>
             <a:endParaRPr lang="bg-BG"/>
           </a:p>
@@ -923,7 +924,7 @@
           <a:p>
             <a:fld id="{3EA744D9-3FBE-48D8-BF2A-85DF203E4D20}" type="datetimeFigureOut">
               <a:rPr lang="bg-BG" smtClean="0"/>
-              <a:t>17.7.2015 г.</a:t>
+              <a:t>19.7.2015 г.</a:t>
             </a:fld>
             <a:endParaRPr lang="bg-BG"/>
           </a:p>
@@ -1103,7 +1104,7 @@
           <a:p>
             <a:fld id="{3EA744D9-3FBE-48D8-BF2A-85DF203E4D20}" type="datetimeFigureOut">
               <a:rPr lang="bg-BG" smtClean="0"/>
-              <a:t>17.7.2015 г.</a:t>
+              <a:t>19.7.2015 г.</a:t>
             </a:fld>
             <a:endParaRPr lang="bg-BG"/>
           </a:p>
@@ -1273,7 +1274,7 @@
           <a:p>
             <a:fld id="{3EA744D9-3FBE-48D8-BF2A-85DF203E4D20}" type="datetimeFigureOut">
               <a:rPr lang="bg-BG" smtClean="0"/>
-              <a:t>17.7.2015 г.</a:t>
+              <a:t>19.7.2015 г.</a:t>
             </a:fld>
             <a:endParaRPr lang="bg-BG"/>
           </a:p>
@@ -1519,7 +1520,7 @@
           <a:p>
             <a:fld id="{3EA744D9-3FBE-48D8-BF2A-85DF203E4D20}" type="datetimeFigureOut">
               <a:rPr lang="bg-BG" smtClean="0"/>
-              <a:t>17.7.2015 г.</a:t>
+              <a:t>19.7.2015 г.</a:t>
             </a:fld>
             <a:endParaRPr lang="bg-BG"/>
           </a:p>
@@ -1807,7 +1808,7 @@
           <a:p>
             <a:fld id="{3EA744D9-3FBE-48D8-BF2A-85DF203E4D20}" type="datetimeFigureOut">
               <a:rPr lang="bg-BG" smtClean="0"/>
-              <a:t>17.7.2015 г.</a:t>
+              <a:t>19.7.2015 г.</a:t>
             </a:fld>
             <a:endParaRPr lang="bg-BG"/>
           </a:p>
@@ -2229,7 +2230,7 @@
           <a:p>
             <a:fld id="{3EA744D9-3FBE-48D8-BF2A-85DF203E4D20}" type="datetimeFigureOut">
               <a:rPr lang="bg-BG" smtClean="0"/>
-              <a:t>17.7.2015 г.</a:t>
+              <a:t>19.7.2015 г.</a:t>
             </a:fld>
             <a:endParaRPr lang="bg-BG"/>
           </a:p>
@@ -2347,7 +2348,7 @@
           <a:p>
             <a:fld id="{3EA744D9-3FBE-48D8-BF2A-85DF203E4D20}" type="datetimeFigureOut">
               <a:rPr lang="bg-BG" smtClean="0"/>
-              <a:t>17.7.2015 г.</a:t>
+              <a:t>19.7.2015 г.</a:t>
             </a:fld>
             <a:endParaRPr lang="bg-BG"/>
           </a:p>
@@ -2442,7 +2443,7 @@
           <a:p>
             <a:fld id="{3EA744D9-3FBE-48D8-BF2A-85DF203E4D20}" type="datetimeFigureOut">
               <a:rPr lang="bg-BG" smtClean="0"/>
-              <a:t>17.7.2015 г.</a:t>
+              <a:t>19.7.2015 г.</a:t>
             </a:fld>
             <a:endParaRPr lang="bg-BG"/>
           </a:p>
@@ -2719,7 +2720,7 @@
           <a:p>
             <a:fld id="{3EA744D9-3FBE-48D8-BF2A-85DF203E4D20}" type="datetimeFigureOut">
               <a:rPr lang="bg-BG" smtClean="0"/>
-              <a:t>17.7.2015 г.</a:t>
+              <a:t>19.7.2015 г.</a:t>
             </a:fld>
             <a:endParaRPr lang="bg-BG"/>
           </a:p>
@@ -2972,7 +2973,7 @@
           <a:p>
             <a:fld id="{3EA744D9-3FBE-48D8-BF2A-85DF203E4D20}" type="datetimeFigureOut">
               <a:rPr lang="bg-BG" smtClean="0"/>
-              <a:t>17.7.2015 г.</a:t>
+              <a:t>19.7.2015 г.</a:t>
             </a:fld>
             <a:endParaRPr lang="bg-BG"/>
           </a:p>
@@ -3194,7 +3195,7 @@
           <a:p>
             <a:fld id="{3EA744D9-3FBE-48D8-BF2A-85DF203E4D20}" type="datetimeFigureOut">
               <a:rPr lang="bg-BG" smtClean="0"/>
-              <a:t>17.7.2015 г.</a:t>
+              <a:t>19.7.2015 г.</a:t>
             </a:fld>
             <a:endParaRPr lang="bg-BG"/>
           </a:p>
@@ -5422,6 +5423,311 @@
 </p:sld>
 </file>
 
+<file path=ppt/slides/slide14.xml><?xml version="1.0" encoding="utf-8"?>
+<p:sld xmlns:a="http://schemas.openxmlformats.org/drawingml/2006/main" xmlns:r="http://schemas.openxmlformats.org/officeDocument/2006/relationships" xmlns:p="http://schemas.openxmlformats.org/presentationml/2006/main">
+  <p:cSld>
+    <p:spTree>
+      <p:nvGrpSpPr>
+        <p:cNvPr id="1" name=""/>
+        <p:cNvGrpSpPr/>
+        <p:nvPr/>
+      </p:nvGrpSpPr>
+      <p:grpSpPr>
+        <a:xfrm>
+          <a:off x="0" y="0"/>
+          <a:ext cx="0" cy="0"/>
+          <a:chOff x="0" y="0"/>
+          <a:chExt cx="0" cy="0"/>
+        </a:xfrm>
+      </p:grpSpPr>
+      <p:sp>
+        <p:nvSpPr>
+          <p:cNvPr id="2" name="Title 1"/>
+          <p:cNvSpPr>
+            <a:spLocks noGrp="1"/>
+          </p:cNvSpPr>
+          <p:nvPr>
+            <p:ph type="title"/>
+          </p:nvPr>
+        </p:nvSpPr>
+        <p:spPr>
+          <a:xfrm>
+            <a:off x="838200" y="685800"/>
+            <a:ext cx="8229600" cy="1143000"/>
+          </a:xfrm>
+        </p:spPr>
+        <p:txBody>
+          <a:bodyPr/>
+          <a:lstStyle/>
+          <a:p>
+            <a:pPr algn="l"/>
+            <a:r>
+              <a:rPr lang="bg-BG" dirty="0" smtClean="0">
+                <a:solidFill>
+                  <a:schemeClr val="accent6"/>
+                </a:solidFill>
+              </a:rPr>
+              <a:t>Задачи за домашна работа</a:t>
+            </a:r>
+            <a:endParaRPr lang="bg-BG" dirty="0">
+              <a:solidFill>
+                <a:schemeClr val="accent6"/>
+              </a:solidFill>
+            </a:endParaRPr>
+          </a:p>
+        </p:txBody>
+      </p:sp>
+      <p:sp>
+        <p:nvSpPr>
+          <p:cNvPr id="3" name="Content Placeholder 2"/>
+          <p:cNvSpPr>
+            <a:spLocks noGrp="1"/>
+          </p:cNvSpPr>
+          <p:nvPr>
+            <p:ph idx="1"/>
+          </p:nvPr>
+        </p:nvSpPr>
+        <p:spPr>
+          <a:xfrm>
+            <a:off x="762000" y="1676400"/>
+            <a:ext cx="7620000" cy="4525963"/>
+          </a:xfrm>
+        </p:spPr>
+        <p:txBody>
+          <a:bodyPr>
+            <a:normAutofit/>
+          </a:bodyPr>
+          <a:lstStyle/>
+          <a:p>
+            <a:pPr marL="0" indent="0">
+              <a:buNone/>
+            </a:pPr>
+            <a:r>
+              <a:rPr lang="en-US" sz="2000" dirty="0" smtClean="0">
+                <a:solidFill>
+                  <a:schemeClr val="bg1">
+                    <a:lumMod val="95000"/>
+                  </a:schemeClr>
+                </a:solidFill>
+              </a:rPr>
+              <a:t>6. </a:t>
+            </a:r>
+            <a:r>
+              <a:rPr lang="bg-BG" sz="2000" dirty="0">
+                <a:solidFill>
+                  <a:schemeClr val="bg1">
+                    <a:lumMod val="95000"/>
+                  </a:schemeClr>
+                </a:solidFill>
+              </a:rPr>
+              <a:t>Създайте уебстраница, подобна на тази във файла </a:t>
+            </a:r>
+            <a:r>
+              <a:rPr lang="en-US" sz="2000" dirty="0" smtClean="0">
+                <a:solidFill>
+                  <a:schemeClr val="bg1">
+                    <a:lumMod val="95000"/>
+                  </a:schemeClr>
+                </a:solidFill>
+              </a:rPr>
+              <a:t>02-HTML-Basics-Tasks/task6.png</a:t>
+            </a:r>
+          </a:p>
+          <a:p>
+            <a:pPr marL="0" indent="0">
+              <a:buNone/>
+            </a:pPr>
+            <a:r>
+              <a:rPr lang="en-US" sz="2000" dirty="0" smtClean="0">
+                <a:solidFill>
+                  <a:schemeClr val="bg1">
+                    <a:lumMod val="95000"/>
+                  </a:schemeClr>
+                </a:solidFill>
+              </a:rPr>
+              <a:t>	*</a:t>
+            </a:r>
+            <a:r>
+              <a:rPr lang="bg-BG" sz="2000" dirty="0" smtClean="0">
+                <a:solidFill>
+                  <a:schemeClr val="bg1">
+                    <a:lumMod val="95000"/>
+                  </a:schemeClr>
+                </a:solidFill>
+              </a:rPr>
+              <a:t>използвайте </a:t>
+            </a:r>
+            <a:r>
+              <a:rPr lang="en-US" sz="2000" dirty="0" smtClean="0">
+                <a:solidFill>
+                  <a:schemeClr val="bg1">
+                    <a:lumMod val="95000"/>
+                  </a:schemeClr>
+                </a:solidFill>
+              </a:rPr>
+              <a:t>Nested tables</a:t>
+            </a:r>
+          </a:p>
+          <a:p>
+            <a:pPr marL="0" indent="0">
+              <a:buNone/>
+            </a:pPr>
+            <a:r>
+              <a:rPr lang="en-US" sz="2000" dirty="0">
+                <a:solidFill>
+                  <a:schemeClr val="bg1">
+                    <a:lumMod val="95000"/>
+                  </a:schemeClr>
+                </a:solidFill>
+              </a:rPr>
+              <a:t>	</a:t>
+            </a:r>
+            <a:r>
+              <a:rPr lang="en-US" sz="2000" dirty="0" smtClean="0">
+                <a:solidFill>
+                  <a:schemeClr val="bg1">
+                    <a:lumMod val="95000"/>
+                  </a:schemeClr>
+                </a:solidFill>
+              </a:rPr>
+              <a:t>*</a:t>
+            </a:r>
+            <a:r>
+              <a:rPr lang="bg-BG" sz="2000" dirty="0" smtClean="0">
+                <a:solidFill>
+                  <a:schemeClr val="bg1">
+                    <a:lumMod val="95000"/>
+                  </a:schemeClr>
+                </a:solidFill>
+              </a:rPr>
+              <a:t>всяка от таблиците трябва да има атрибути </a:t>
+            </a:r>
+            <a:r>
+              <a:rPr lang="en-US" sz="2000" smtClean="0">
+                <a:solidFill>
+                  <a:schemeClr val="bg1">
+                    <a:lumMod val="95000"/>
+                  </a:schemeClr>
+                </a:solidFill>
+              </a:rPr>
+              <a:t>border=“1”, </a:t>
+            </a:r>
+            <a:r>
+              <a:rPr lang="en-US" sz="2000" dirty="0" err="1" smtClean="0">
+                <a:solidFill>
+                  <a:schemeClr val="bg1">
+                    <a:lumMod val="95000"/>
+                  </a:schemeClr>
+                </a:solidFill>
+              </a:rPr>
+              <a:t>cellspacing</a:t>
+            </a:r>
+            <a:r>
+              <a:rPr lang="en-US" sz="2000" dirty="0" smtClean="0">
+                <a:solidFill>
+                  <a:schemeClr val="bg1">
+                    <a:lumMod val="95000"/>
+                  </a:schemeClr>
+                </a:solidFill>
+              </a:rPr>
+              <a:t>=“0” </a:t>
+            </a:r>
+            <a:r>
+              <a:rPr lang="bg-BG" sz="2000" dirty="0" smtClean="0">
+                <a:solidFill>
+                  <a:schemeClr val="bg1">
+                    <a:lumMod val="95000"/>
+                  </a:schemeClr>
+                </a:solidFill>
+              </a:rPr>
+              <a:t>и </a:t>
+            </a:r>
+            <a:r>
+              <a:rPr lang="en-US" sz="2000" dirty="0" err="1" smtClean="0">
+                <a:solidFill>
+                  <a:schemeClr val="bg1">
+                    <a:lumMod val="95000"/>
+                  </a:schemeClr>
+                </a:solidFill>
+              </a:rPr>
+              <a:t>cellpadding</a:t>
+            </a:r>
+            <a:r>
+              <a:rPr lang="en-US" sz="2000" dirty="0" smtClean="0">
+                <a:solidFill>
+                  <a:schemeClr val="bg1">
+                    <a:lumMod val="95000"/>
+                  </a:schemeClr>
+                </a:solidFill>
+              </a:rPr>
+              <a:t>=“0”</a:t>
+            </a:r>
+            <a:endParaRPr lang="bg-BG" sz="2000" dirty="0">
+              <a:solidFill>
+                <a:schemeClr val="bg1">
+                  <a:lumMod val="95000"/>
+                </a:schemeClr>
+              </a:solidFill>
+            </a:endParaRPr>
+          </a:p>
+          <a:p>
+            <a:pPr marL="0" indent="0">
+              <a:buNone/>
+            </a:pPr>
+            <a:endParaRPr lang="en-US" sz="2000" dirty="0">
+              <a:solidFill>
+                <a:schemeClr val="bg1">
+                  <a:lumMod val="95000"/>
+                </a:schemeClr>
+              </a:solidFill>
+            </a:endParaRPr>
+          </a:p>
+          <a:p>
+            <a:pPr marL="0" indent="0">
+              <a:buNone/>
+            </a:pPr>
+            <a:endParaRPr lang="bg-BG" sz="2000" dirty="0">
+              <a:solidFill>
+                <a:schemeClr val="bg1">
+                  <a:lumMod val="95000"/>
+                </a:schemeClr>
+              </a:solidFill>
+            </a:endParaRPr>
+          </a:p>
+          <a:p>
+            <a:pPr marL="0" indent="0">
+              <a:buNone/>
+            </a:pPr>
+            <a:endParaRPr lang="en-US" sz="2000" dirty="0">
+              <a:solidFill>
+                <a:schemeClr val="bg1">
+                  <a:lumMod val="95000"/>
+                </a:schemeClr>
+              </a:solidFill>
+            </a:endParaRPr>
+          </a:p>
+        </p:txBody>
+      </p:sp>
+    </p:spTree>
+    <p:extLst>
+      <p:ext uri="{BB962C8B-B14F-4D97-AF65-F5344CB8AC3E}">
+        <p14:creationId xmlns:p14="http://schemas.microsoft.com/office/powerpoint/2010/main" val="3107864357"/>
+      </p:ext>
+    </p:extLst>
+  </p:cSld>
+  <p:clrMapOvr>
+    <a:masterClrMapping/>
+  </p:clrMapOvr>
+  <p:timing>
+    <p:tnLst>
+      <p:par>
+        <p:cTn id="1" dur="indefinite" restart="never" nodeType="tmRoot"/>
+      </p:par>
+    </p:tnLst>
+  </p:timing>
+</p:sld>
+</file>
+
 <file path=ppt/slides/slide2.xml><?xml version="1.0" encoding="utf-8"?>
 <p:sld xmlns:a="http://schemas.openxmlformats.org/drawingml/2006/main" xmlns:r="http://schemas.openxmlformats.org/officeDocument/2006/relationships" xmlns:p="http://schemas.openxmlformats.org/presentationml/2006/main">
   <p:cSld>
@@ -7057,13 +7363,6 @@
               </a:rPr>
               <a:t>select</a:t>
             </a:r>
-            <a:endParaRPr lang="en-US" dirty="0" smtClean="0">
-              <a:solidFill>
-                <a:schemeClr val="bg1">
-                  <a:lumMod val="95000"/>
-                </a:schemeClr>
-              </a:solidFill>
-            </a:endParaRPr>
           </a:p>
           <a:p>
             <a:pPr>
